--- a/Project/Predict_Wine_Quality(InterimReport).pptx
+++ b/Project/Predict_Wine_Quality(InterimReport).pptx
@@ -3351,7 +3351,7 @@
         </p:nvSpPr>
         <p:spPr>
           <a:xfrm>
-            <a:off x="1524000" y="1451547"/>
+            <a:off x="1524000" y="2478723"/>
             <a:ext cx="9144000" cy="950277"/>
           </a:xfrm>
         </p:spPr>
